--- a/Equipo 09/Fase 2/Evidencias Proyecto/Presentacion.pptx
+++ b/Equipo 09/Fase 2/Evidencias Proyecto/Presentacion.pptx
@@ -139,10 +139,280 @@
 <file path=ppt/revisionInfo.xml><?xml version="1.0" encoding="utf-8"?>
 <p1510:revInfo xmlns:a="http://schemas.openxmlformats.org/drawingml/2006/main" xmlns:r="http://schemas.openxmlformats.org/officeDocument/2006/relationships" xmlns:p1510="http://schemas.microsoft.com/office/powerpoint/2015/10/main">
   <p1510:revLst>
-    <p1510:client id="{26257678-B269-4672-ADF6-F2B559F2E01C}" v="76" dt="2025-11-20T03:20:52.063"/>
-    <p1510:client id="{5F9E8E92-E17A-B9FF-D1BE-A018949A7733}" v="1" dt="2025-11-20T03:26:04.857"/>
+    <p1510:client id="{0850BA6E-9CC3-46A0-A44A-31D5629C2D49}" v="12" dt="2025-11-22T17:50:30.715"/>
   </p1510:revLst>
 </p1510:revInfo>
+</file>
+
+<file path=ppt/changesInfos/changesInfo1.xml><?xml version="1.0" encoding="utf-8"?>
+<pc:chgInfo xmlns:a="http://schemas.openxmlformats.org/drawingml/2006/main" xmlns:r="http://schemas.openxmlformats.org/officeDocument/2006/relationships" xmlns:ac="http://schemas.microsoft.com/office/drawing/2013/main/command" xmlns:pc="http://schemas.microsoft.com/office/powerpoint/2013/main/command">
+  <pc:docChgLst>
+    <pc:chgData name="bruce larco" userId="7582802b1fe67b81" providerId="LiveId" clId="{96780D1D-266B-4D47-891B-A8DB4FF4300F}"/>
+    <pc:docChg chg="undo custSel modSld">
+      <pc:chgData name="bruce larco" userId="7582802b1fe67b81" providerId="LiveId" clId="{96780D1D-266B-4D47-891B-A8DB4FF4300F}" dt="2025-11-22T17:59:33.821" v="31" actId="26606"/>
+      <pc:docMkLst>
+        <pc:docMk/>
+      </pc:docMkLst>
+      <pc:sldChg chg="modSp mod">
+        <pc:chgData name="bruce larco" userId="7582802b1fe67b81" providerId="LiveId" clId="{96780D1D-266B-4D47-891B-A8DB4FF4300F}" dt="2025-11-22T17:45:23.070" v="0" actId="255"/>
+        <pc:sldMkLst>
+          <pc:docMk/>
+          <pc:sldMk cId="0" sldId="256"/>
+        </pc:sldMkLst>
+        <pc:spChg chg="mod">
+          <ac:chgData name="bruce larco" userId="7582802b1fe67b81" providerId="LiveId" clId="{96780D1D-266B-4D47-891B-A8DB4FF4300F}" dt="2025-11-22T17:45:23.070" v="0" actId="255"/>
+          <ac:spMkLst>
+            <pc:docMk/>
+            <pc:sldMk cId="0" sldId="256"/>
+            <ac:spMk id="3" creationId="{00000000-0000-0000-0000-000000000000}"/>
+          </ac:spMkLst>
+        </pc:spChg>
+      </pc:sldChg>
+      <pc:sldChg chg="modSp mod">
+        <pc:chgData name="bruce larco" userId="7582802b1fe67b81" providerId="LiveId" clId="{96780D1D-266B-4D47-891B-A8DB4FF4300F}" dt="2025-11-22T17:45:35.180" v="1" actId="255"/>
+        <pc:sldMkLst>
+          <pc:docMk/>
+          <pc:sldMk cId="0" sldId="257"/>
+        </pc:sldMkLst>
+        <pc:spChg chg="mod">
+          <ac:chgData name="bruce larco" userId="7582802b1fe67b81" providerId="LiveId" clId="{96780D1D-266B-4D47-891B-A8DB4FF4300F}" dt="2025-11-22T17:45:35.180" v="1" actId="255"/>
+          <ac:spMkLst>
+            <pc:docMk/>
+            <pc:sldMk cId="0" sldId="257"/>
+            <ac:spMk id="3" creationId="{00000000-0000-0000-0000-000000000000}"/>
+          </ac:spMkLst>
+        </pc:spChg>
+      </pc:sldChg>
+      <pc:sldChg chg="modSp">
+        <pc:chgData name="bruce larco" userId="7582802b1fe67b81" providerId="LiveId" clId="{96780D1D-266B-4D47-891B-A8DB4FF4300F}" dt="2025-11-22T17:45:58.356" v="3" actId="313"/>
+        <pc:sldMkLst>
+          <pc:docMk/>
+          <pc:sldMk cId="0" sldId="258"/>
+        </pc:sldMkLst>
+        <pc:graphicFrameChg chg="mod">
+          <ac:chgData name="bruce larco" userId="7582802b1fe67b81" providerId="LiveId" clId="{96780D1D-266B-4D47-891B-A8DB4FF4300F}" dt="2025-11-22T17:45:58.356" v="3" actId="313"/>
+          <ac:graphicFrameMkLst>
+            <pc:docMk/>
+            <pc:sldMk cId="0" sldId="258"/>
+            <ac:graphicFrameMk id="27" creationId="{F2A047F6-B7E1-68EB-A54A-67DCB2B6E2CC}"/>
+          </ac:graphicFrameMkLst>
+        </pc:graphicFrameChg>
+      </pc:sldChg>
+      <pc:sldChg chg="modSp mod">
+        <pc:chgData name="bruce larco" userId="7582802b1fe67b81" providerId="LiveId" clId="{96780D1D-266B-4D47-891B-A8DB4FF4300F}" dt="2025-11-22T17:49:14.853" v="15" actId="255"/>
+        <pc:sldMkLst>
+          <pc:docMk/>
+          <pc:sldMk cId="0" sldId="266"/>
+        </pc:sldMkLst>
+        <pc:spChg chg="mod">
+          <ac:chgData name="bruce larco" userId="7582802b1fe67b81" providerId="LiveId" clId="{96780D1D-266B-4D47-891B-A8DB4FF4300F}" dt="2025-11-22T17:49:14.853" v="15" actId="255"/>
+          <ac:spMkLst>
+            <pc:docMk/>
+            <pc:sldMk cId="0" sldId="266"/>
+            <ac:spMk id="47" creationId="{951679E5-DF4A-7FB8-33C8-52DE05CD5B69}"/>
+          </ac:spMkLst>
+        </pc:spChg>
+      </pc:sldChg>
+      <pc:sldChg chg="modSp mod">
+        <pc:chgData name="bruce larco" userId="7582802b1fe67b81" providerId="LiveId" clId="{96780D1D-266B-4D47-891B-A8DB4FF4300F}" dt="2025-11-22T17:49:36.024" v="18" actId="1076"/>
+        <pc:sldMkLst>
+          <pc:docMk/>
+          <pc:sldMk cId="0" sldId="267"/>
+        </pc:sldMkLst>
+        <pc:picChg chg="mod">
+          <ac:chgData name="bruce larco" userId="7582802b1fe67b81" providerId="LiveId" clId="{96780D1D-266B-4D47-891B-A8DB4FF4300F}" dt="2025-11-22T17:49:36.024" v="18" actId="1076"/>
+          <ac:picMkLst>
+            <pc:docMk/>
+            <pc:sldMk cId="0" sldId="267"/>
+            <ac:picMk id="5" creationId="{A7BAC52E-FA16-24D7-16C0-ACD7E1C508E7}"/>
+          </ac:picMkLst>
+        </pc:picChg>
+      </pc:sldChg>
+      <pc:sldChg chg="addSp delSp modSp mod">
+        <pc:chgData name="bruce larco" userId="7582802b1fe67b81" providerId="LiveId" clId="{96780D1D-266B-4D47-891B-A8DB4FF4300F}" dt="2025-11-22T17:59:33.821" v="31" actId="26606"/>
+        <pc:sldMkLst>
+          <pc:docMk/>
+          <pc:sldMk cId="0" sldId="269"/>
+        </pc:sldMkLst>
+        <pc:spChg chg="mod">
+          <ac:chgData name="bruce larco" userId="7582802b1fe67b81" providerId="LiveId" clId="{96780D1D-266B-4D47-891B-A8DB4FF4300F}" dt="2025-11-22T17:59:33.821" v="31" actId="26606"/>
+          <ac:spMkLst>
+            <pc:docMk/>
+            <pc:sldMk cId="0" sldId="269"/>
+            <ac:spMk id="2" creationId="{00000000-0000-0000-0000-000000000000}"/>
+          </ac:spMkLst>
+        </pc:spChg>
+        <pc:spChg chg="mod">
+          <ac:chgData name="bruce larco" userId="7582802b1fe67b81" providerId="LiveId" clId="{96780D1D-266B-4D47-891B-A8DB4FF4300F}" dt="2025-11-22T17:59:33.821" v="31" actId="26606"/>
+          <ac:spMkLst>
+            <pc:docMk/>
+            <pc:sldMk cId="0" sldId="269"/>
+            <ac:spMk id="3" creationId="{00000000-0000-0000-0000-000000000000}"/>
+          </ac:spMkLst>
+        </pc:spChg>
+        <pc:spChg chg="del">
+          <ac:chgData name="bruce larco" userId="7582802b1fe67b81" providerId="LiveId" clId="{96780D1D-266B-4D47-891B-A8DB4FF4300F}" dt="2025-11-22T17:50:41.035" v="20" actId="26606"/>
+          <ac:spMkLst>
+            <pc:docMk/>
+            <pc:sldMk cId="0" sldId="269"/>
+            <ac:spMk id="29" creationId="{CBB2B1F0-0DD6-4744-9A46-7A344FB48E40}"/>
+          </ac:spMkLst>
+        </pc:spChg>
+        <pc:spChg chg="del">
+          <ac:chgData name="bruce larco" userId="7582802b1fe67b81" providerId="LiveId" clId="{96780D1D-266B-4D47-891B-A8DB4FF4300F}" dt="2025-11-22T17:50:41.035" v="20" actId="26606"/>
+          <ac:spMkLst>
+            <pc:docMk/>
+            <pc:sldMk cId="0" sldId="269"/>
+            <ac:spMk id="31" creationId="{52D502E5-F6B4-4D58-B4AE-FC466FF15EE8}"/>
+          </ac:spMkLst>
+        </pc:spChg>
+        <pc:spChg chg="del">
+          <ac:chgData name="bruce larco" userId="7582802b1fe67b81" providerId="LiveId" clId="{96780D1D-266B-4D47-891B-A8DB4FF4300F}" dt="2025-11-22T17:50:41.035" v="20" actId="26606"/>
+          <ac:spMkLst>
+            <pc:docMk/>
+            <pc:sldMk cId="0" sldId="269"/>
+            <ac:spMk id="33" creationId="{9DECDBF4-02B6-4BB4-B65B-B8107AD6A9E8}"/>
+          </ac:spMkLst>
+        </pc:spChg>
+        <pc:spChg chg="add del">
+          <ac:chgData name="bruce larco" userId="7582802b1fe67b81" providerId="LiveId" clId="{96780D1D-266B-4D47-891B-A8DB4FF4300F}" dt="2025-11-22T17:59:33.821" v="31" actId="26606"/>
+          <ac:spMkLst>
+            <pc:docMk/>
+            <pc:sldMk cId="0" sldId="269"/>
+            <ac:spMk id="38" creationId="{F13C74B1-5B17-4795-BED0-7140497B445A}"/>
+          </ac:spMkLst>
+        </pc:spChg>
+        <pc:spChg chg="add del">
+          <ac:chgData name="bruce larco" userId="7582802b1fe67b81" providerId="LiveId" clId="{96780D1D-266B-4D47-891B-A8DB4FF4300F}" dt="2025-11-22T17:59:33.821" v="31" actId="26606"/>
+          <ac:spMkLst>
+            <pc:docMk/>
+            <pc:sldMk cId="0" sldId="269"/>
+            <ac:spMk id="40" creationId="{D4974D33-8DC5-464E-8C6D-BE58F0669C17}"/>
+          </ac:spMkLst>
+        </pc:spChg>
+        <pc:spChg chg="add del">
+          <ac:chgData name="bruce larco" userId="7582802b1fe67b81" providerId="LiveId" clId="{96780D1D-266B-4D47-891B-A8DB4FF4300F}" dt="2025-11-22T17:59:29.579" v="28" actId="26606"/>
+          <ac:spMkLst>
+            <pc:docMk/>
+            <pc:sldMk cId="0" sldId="269"/>
+            <ac:spMk id="45" creationId="{0D7B6173-1D58-48E2-83CF-37350F315F75}"/>
+          </ac:spMkLst>
+        </pc:spChg>
+        <pc:spChg chg="add del">
+          <ac:chgData name="bruce larco" userId="7582802b1fe67b81" providerId="LiveId" clId="{96780D1D-266B-4D47-891B-A8DB4FF4300F}" dt="2025-11-22T17:59:29.579" v="28" actId="26606"/>
+          <ac:spMkLst>
+            <pc:docMk/>
+            <pc:sldMk cId="0" sldId="269"/>
+            <ac:spMk id="47" creationId="{BE149CDF-5DAC-4860-A285-9492CF2090AA}"/>
+          </ac:spMkLst>
+        </pc:spChg>
+        <pc:spChg chg="add del">
+          <ac:chgData name="bruce larco" userId="7582802b1fe67b81" providerId="LiveId" clId="{96780D1D-266B-4D47-891B-A8DB4FF4300F}" dt="2025-11-22T17:59:29.579" v="28" actId="26606"/>
+          <ac:spMkLst>
+            <pc:docMk/>
+            <pc:sldMk cId="0" sldId="269"/>
+            <ac:spMk id="51" creationId="{21BDEC81-16A7-4451-B893-C15000083B77}"/>
+          </ac:spMkLst>
+        </pc:spChg>
+        <pc:spChg chg="add del">
+          <ac:chgData name="bruce larco" userId="7582802b1fe67b81" providerId="LiveId" clId="{96780D1D-266B-4D47-891B-A8DB4FF4300F}" dt="2025-11-22T17:59:29.579" v="28" actId="26606"/>
+          <ac:spMkLst>
+            <pc:docMk/>
+            <pc:sldMk cId="0" sldId="269"/>
+            <ac:spMk id="53" creationId="{26A515A1-4D80-430E-BE0A-71A290516A82}"/>
+          </ac:spMkLst>
+        </pc:spChg>
+        <pc:spChg chg="add">
+          <ac:chgData name="bruce larco" userId="7582802b1fe67b81" providerId="LiveId" clId="{96780D1D-266B-4D47-891B-A8DB4FF4300F}" dt="2025-11-22T17:59:33.821" v="31" actId="26606"/>
+          <ac:spMkLst>
+            <pc:docMk/>
+            <pc:sldMk cId="0" sldId="269"/>
+            <ac:spMk id="57" creationId="{0D7B6173-1D58-48E2-83CF-37350F315F75}"/>
+          </ac:spMkLst>
+        </pc:spChg>
+        <pc:spChg chg="add">
+          <ac:chgData name="bruce larco" userId="7582802b1fe67b81" providerId="LiveId" clId="{96780D1D-266B-4D47-891B-A8DB4FF4300F}" dt="2025-11-22T17:59:33.821" v="31" actId="26606"/>
+          <ac:spMkLst>
+            <pc:docMk/>
+            <pc:sldMk cId="0" sldId="269"/>
+            <ac:spMk id="58" creationId="{BE149CDF-5DAC-4860-A285-9492CF2090AA}"/>
+          </ac:spMkLst>
+        </pc:spChg>
+        <pc:spChg chg="add">
+          <ac:chgData name="bruce larco" userId="7582802b1fe67b81" providerId="LiveId" clId="{96780D1D-266B-4D47-891B-A8DB4FF4300F}" dt="2025-11-22T17:59:33.821" v="31" actId="26606"/>
+          <ac:spMkLst>
+            <pc:docMk/>
+            <pc:sldMk cId="0" sldId="269"/>
+            <ac:spMk id="60" creationId="{21BDEC81-16A7-4451-B893-C15000083B77}"/>
+          </ac:spMkLst>
+        </pc:spChg>
+        <pc:spChg chg="add">
+          <ac:chgData name="bruce larco" userId="7582802b1fe67b81" providerId="LiveId" clId="{96780D1D-266B-4D47-891B-A8DB4FF4300F}" dt="2025-11-22T17:59:33.821" v="31" actId="26606"/>
+          <ac:spMkLst>
+            <pc:docMk/>
+            <pc:sldMk cId="0" sldId="269"/>
+            <ac:spMk id="61" creationId="{26A515A1-4D80-430E-BE0A-71A290516A82}"/>
+          </ac:spMkLst>
+        </pc:spChg>
+        <pc:picChg chg="add mod">
+          <ac:chgData name="bruce larco" userId="7582802b1fe67b81" providerId="LiveId" clId="{96780D1D-266B-4D47-891B-A8DB4FF4300F}" dt="2025-11-22T17:59:33.821" v="31" actId="26606"/>
+          <ac:picMkLst>
+            <pc:docMk/>
+            <pc:sldMk cId="0" sldId="269"/>
+            <ac:picMk id="4" creationId="{E5F3CA56-202B-ECDB-9299-1C4DB2A8350A}"/>
+          </ac:picMkLst>
+        </pc:picChg>
+        <pc:picChg chg="add del">
+          <ac:chgData name="bruce larco" userId="7582802b1fe67b81" providerId="LiveId" clId="{96780D1D-266B-4D47-891B-A8DB4FF4300F}" dt="2025-11-22T17:59:29.579" v="28" actId="26606"/>
+          <ac:picMkLst>
+            <pc:docMk/>
+            <pc:sldMk cId="0" sldId="269"/>
+            <ac:picMk id="49" creationId="{B0DAC8FB-A162-44E3-A606-C855A03A5B09}"/>
+          </ac:picMkLst>
+        </pc:picChg>
+        <pc:picChg chg="add">
+          <ac:chgData name="bruce larco" userId="7582802b1fe67b81" providerId="LiveId" clId="{96780D1D-266B-4D47-891B-A8DB4FF4300F}" dt="2025-11-22T17:59:33.821" v="31" actId="26606"/>
+          <ac:picMkLst>
+            <pc:docMk/>
+            <pc:sldMk cId="0" sldId="269"/>
+            <ac:picMk id="59" creationId="{B0DAC8FB-A162-44E3-A606-C855A03A5B09}"/>
+          </ac:picMkLst>
+        </pc:picChg>
+        <pc:cxnChg chg="add del">
+          <ac:chgData name="bruce larco" userId="7582802b1fe67b81" providerId="LiveId" clId="{96780D1D-266B-4D47-891B-A8DB4FF4300F}" dt="2025-11-22T17:59:33.775" v="30" actId="26606"/>
+          <ac:cxnSpMkLst>
+            <pc:docMk/>
+            <pc:sldMk cId="0" sldId="269"/>
+            <ac:cxnSpMk id="55" creationId="{FC23E3B9-5ABF-58B3-E2B0-E9A5DAA90037}"/>
+          </ac:cxnSpMkLst>
+        </pc:cxnChg>
+      </pc:sldChg>
+      <pc:sldChg chg="modSp mod">
+        <pc:chgData name="bruce larco" userId="7582802b1fe67b81" providerId="LiveId" clId="{96780D1D-266B-4D47-891B-A8DB4FF4300F}" dt="2025-11-22T17:49:01.127" v="14" actId="1076"/>
+        <pc:sldMkLst>
+          <pc:docMk/>
+          <pc:sldMk cId="2053761236" sldId="270"/>
+        </pc:sldMkLst>
+        <pc:spChg chg="mod">
+          <ac:chgData name="bruce larco" userId="7582802b1fe67b81" providerId="LiveId" clId="{96780D1D-266B-4D47-891B-A8DB4FF4300F}" dt="2025-11-22T17:48:33.688" v="7" actId="1076"/>
+          <ac:spMkLst>
+            <pc:docMk/>
+            <pc:sldMk cId="2053761236" sldId="270"/>
+            <ac:spMk id="2" creationId="{2B8ACC8F-0F1C-E228-A1DB-78EA2A801D17}"/>
+          </ac:spMkLst>
+        </pc:spChg>
+        <pc:picChg chg="mod">
+          <ac:chgData name="bruce larco" userId="7582802b1fe67b81" providerId="LiveId" clId="{96780D1D-266B-4D47-891B-A8DB4FF4300F}" dt="2025-11-22T17:49:01.127" v="14" actId="1076"/>
+          <ac:picMkLst>
+            <pc:docMk/>
+            <pc:sldMk cId="2053761236" sldId="270"/>
+            <ac:picMk id="8" creationId="{72DACFC7-731D-21D7-548F-CB364DB6EB56}"/>
+          </ac:picMkLst>
+        </pc:picChg>
+      </pc:sldChg>
+    </pc:docChg>
+  </pc:docChgLst>
+</pc:chgInfo>
 </file>
 
 <file path=ppt/diagrams/colors1.xml><?xml version="1.0" encoding="utf-8"?>
@@ -6200,47 +6470,7 @@
         <a:p>
           <a:r>
             <a:rPr lang="en-US" dirty="0"/>
-            <a:t>• </a:t>
-          </a:r>
-          <a:r>
-            <a:rPr lang="en-US" dirty="0" err="1"/>
-            <a:t>Dificultad</a:t>
-          </a:r>
-          <a:r>
-            <a:rPr lang="en-US" dirty="0"/>
-            <a:t> para </a:t>
-          </a:r>
-          <a:r>
-            <a:rPr lang="en-US" dirty="0" err="1"/>
-            <a:t>gestionar</a:t>
-          </a:r>
-          <a:r>
-            <a:rPr lang="en-US" dirty="0"/>
-            <a:t> solicitudes </a:t>
-          </a:r>
-          <a:r>
-            <a:rPr lang="en-US" dirty="0" err="1"/>
-            <a:t>como</a:t>
-          </a:r>
-          <a:r>
-            <a:rPr lang="en-US" dirty="0"/>
-            <a:t> </a:t>
-          </a:r>
-          <a:r>
-            <a:rPr lang="en-US" dirty="0" err="1"/>
-            <a:t>certificados</a:t>
-          </a:r>
-          <a:r>
-            <a:rPr lang="en-US" dirty="0"/>
-            <a:t>, </a:t>
-          </a:r>
-          <a:r>
-            <a:rPr lang="en-US" dirty="0" err="1"/>
-            <a:t>proyectos</a:t>
-          </a:r>
-          <a:r>
-            <a:rPr lang="en-US" dirty="0"/>
-            <a:t> y actividades.</a:t>
+            <a:t>• Dificultad para Gestionar solicitudes Como certificados, proyectos y actividades.</a:t>
           </a:r>
         </a:p>
       </dgm:t>
@@ -6348,23 +6578,7 @@
         <a:p>
           <a:r>
             <a:rPr lang="en-US" dirty="0"/>
-            <a:t>• Falta de </a:t>
-          </a:r>
-          <a:r>
-            <a:rPr lang="en-US" dirty="0" err="1"/>
-            <a:t>registro</a:t>
-          </a:r>
-          <a:r>
-            <a:rPr lang="en-US" dirty="0"/>
-            <a:t> </a:t>
-          </a:r>
-          <a:r>
-            <a:rPr lang="en-US" dirty="0" err="1"/>
-            <a:t>organizado</a:t>
-          </a:r>
-          <a:r>
-            <a:rPr lang="en-US" dirty="0"/>
-            <a:t> de vecinos, actividades y documentación.</a:t>
+            <a:t>• Falta de registro organizado de vecinos, actividades y documentación.</a:t>
           </a:r>
         </a:p>
       </dgm:t>
@@ -6530,7 +6744,7 @@
         <a:lstStyle/>
         <a:p>
           <a:r>
-            <a:rPr lang="en-US"/>
+            <a:rPr lang="en-US" dirty="0"/>
             <a:t>• Solicitud y emisión de certificados.</a:t>
           </a:r>
         </a:p>
@@ -6566,7 +6780,7 @@
         <a:lstStyle/>
         <a:p>
           <a:r>
-            <a:rPr lang="en-US"/>
+            <a:rPr lang="en-US" dirty="0"/>
             <a:t>• Postulación de proyectos vecinales.</a:t>
           </a:r>
         </a:p>
@@ -7109,15 +7323,7 @@
         <a:p>
           <a:r>
             <a:rPr lang="en-US" dirty="0"/>
-            <a:t>• Plataforma web </a:t>
-          </a:r>
-          <a:r>
-            <a:rPr lang="en-US" dirty="0" err="1"/>
-            <a:t>responsiva</a:t>
-          </a:r>
-          <a:r>
-            <a:rPr lang="en-US" dirty="0"/>
-            <a:t>.</a:t>
+            <a:t>• Plataforma web responsiva.</a:t>
           </a:r>
         </a:p>
       </dgm:t>
@@ -9727,47 +9933,7 @@
           </a:pPr>
           <a:r>
             <a:rPr lang="en-US" sz="1800" kern="1200" dirty="0"/>
-            <a:t>• </a:t>
-          </a:r>
-          <a:r>
-            <a:rPr lang="en-US" sz="1800" kern="1200" dirty="0" err="1"/>
-            <a:t>Dificultad</a:t>
-          </a:r>
-          <a:r>
-            <a:rPr lang="en-US" sz="1800" kern="1200" dirty="0"/>
-            <a:t> para </a:t>
-          </a:r>
-          <a:r>
-            <a:rPr lang="en-US" sz="1800" kern="1200" dirty="0" err="1"/>
-            <a:t>gestionar</a:t>
-          </a:r>
-          <a:r>
-            <a:rPr lang="en-US" sz="1800" kern="1200" dirty="0"/>
-            <a:t> solicitudes </a:t>
-          </a:r>
-          <a:r>
-            <a:rPr lang="en-US" sz="1800" kern="1200" dirty="0" err="1"/>
-            <a:t>como</a:t>
-          </a:r>
-          <a:r>
-            <a:rPr lang="en-US" sz="1800" kern="1200" dirty="0"/>
-            <a:t> </a:t>
-          </a:r>
-          <a:r>
-            <a:rPr lang="en-US" sz="1800" kern="1200" dirty="0" err="1"/>
-            <a:t>certificados</a:t>
-          </a:r>
-          <a:r>
-            <a:rPr lang="en-US" sz="1800" kern="1200" dirty="0"/>
-            <a:t>, </a:t>
-          </a:r>
-          <a:r>
-            <a:rPr lang="en-US" sz="1800" kern="1200" dirty="0" err="1"/>
-            <a:t>proyectos</a:t>
-          </a:r>
-          <a:r>
-            <a:rPr lang="en-US" sz="1800" kern="1200" dirty="0"/>
-            <a:t> y actividades.</a:t>
+            <a:t>• Dificultad para Gestionar solicitudes Como certificados, proyectos y actividades.</a:t>
           </a:r>
         </a:p>
       </dsp:txBody>
@@ -9998,23 +10164,7 @@
           </a:pPr>
           <a:r>
             <a:rPr lang="en-US" sz="1800" kern="1200" dirty="0"/>
-            <a:t>• Falta de </a:t>
-          </a:r>
-          <a:r>
-            <a:rPr lang="en-US" sz="1800" kern="1200" dirty="0" err="1"/>
-            <a:t>registro</a:t>
-          </a:r>
-          <a:r>
-            <a:rPr lang="en-US" sz="1800" kern="1200" dirty="0"/>
-            <a:t> </a:t>
-          </a:r>
-          <a:r>
-            <a:rPr lang="en-US" sz="1800" kern="1200" dirty="0" err="1"/>
-            <a:t>organizado</a:t>
-          </a:r>
-          <a:r>
-            <a:rPr lang="en-US" sz="1800" kern="1200" dirty="0"/>
-            <a:t> de vecinos, actividades y documentación.</a:t>
+            <a:t>• Falta de registro organizado de vecinos, actividades y documentación.</a:t>
           </a:r>
         </a:p>
       </dsp:txBody>
@@ -10327,7 +10477,7 @@
             <a:buNone/>
           </a:pPr>
           <a:r>
-            <a:rPr lang="en-US" sz="1900" kern="1200"/>
+            <a:rPr lang="en-US" sz="1900" kern="1200" dirty="0"/>
             <a:t>• Solicitud y emisión de certificados.</a:t>
           </a:r>
         </a:p>
@@ -10478,7 +10628,7 @@
             <a:buNone/>
           </a:pPr>
           <a:r>
-            <a:rPr lang="en-US" sz="1900" kern="1200"/>
+            <a:rPr lang="en-US" sz="1900" kern="1200" dirty="0"/>
             <a:t>• Postulación de proyectos vecinales.</a:t>
           </a:r>
         </a:p>
@@ -11095,15 +11245,7 @@
           </a:pPr>
           <a:r>
             <a:rPr lang="en-US" sz="1900" kern="1200" dirty="0"/>
-            <a:t>• Plataforma web </a:t>
-          </a:r>
-          <a:r>
-            <a:rPr lang="en-US" sz="1900" kern="1200" dirty="0" err="1"/>
-            <a:t>responsiva</a:t>
-          </a:r>
-          <a:r>
-            <a:rPr lang="en-US" sz="1900" kern="1200" dirty="0"/>
-            <a:t>.</a:t>
+            <a:t>• Plataforma web responsiva.</a:t>
           </a:r>
         </a:p>
       </dsp:txBody>
@@ -24024,7 +24166,7 @@
           <a:p>
             <a:fld id="{5BCAD085-E8A6-8845-BD4E-CB4CCA059FC4}" type="datetimeFigureOut">
               <a:rPr lang="en-US" smtClean="0"/>
-              <a:t>11/19/2025</a:t>
+              <a:t>11/22/2025</a:t>
             </a:fld>
             <a:endParaRPr lang="en-US"/>
           </a:p>
@@ -24192,7 +24334,7 @@
           <a:p>
             <a:fld id="{5BCAD085-E8A6-8845-BD4E-CB4CCA059FC4}" type="datetimeFigureOut">
               <a:rPr lang="en-US" smtClean="0"/>
-              <a:t>11/19/2025</a:t>
+              <a:t>11/22/2025</a:t>
             </a:fld>
             <a:endParaRPr lang="en-US"/>
           </a:p>
@@ -24370,7 +24512,7 @@
           <a:p>
             <a:fld id="{5BCAD085-E8A6-8845-BD4E-CB4CCA059FC4}" type="datetimeFigureOut">
               <a:rPr lang="en-US" smtClean="0"/>
-              <a:t>11/19/2025</a:t>
+              <a:t>11/22/2025</a:t>
             </a:fld>
             <a:endParaRPr lang="en-US"/>
           </a:p>
@@ -24538,7 +24680,7 @@
           <a:p>
             <a:fld id="{5BCAD085-E8A6-8845-BD4E-CB4CCA059FC4}" type="datetimeFigureOut">
               <a:rPr lang="en-US" smtClean="0"/>
-              <a:t>11/19/2025</a:t>
+              <a:t>11/22/2025</a:t>
             </a:fld>
             <a:endParaRPr lang="en-US"/>
           </a:p>
@@ -24783,7 +24925,7 @@
           <a:p>
             <a:fld id="{5BCAD085-E8A6-8845-BD4E-CB4CCA059FC4}" type="datetimeFigureOut">
               <a:rPr lang="en-US" smtClean="0"/>
-              <a:t>11/19/2025</a:t>
+              <a:t>11/22/2025</a:t>
             </a:fld>
             <a:endParaRPr lang="en-US"/>
           </a:p>
@@ -25068,7 +25210,7 @@
           <a:p>
             <a:fld id="{5BCAD085-E8A6-8845-BD4E-CB4CCA059FC4}" type="datetimeFigureOut">
               <a:rPr lang="en-US" smtClean="0"/>
-              <a:t>11/19/2025</a:t>
+              <a:t>11/22/2025</a:t>
             </a:fld>
             <a:endParaRPr lang="en-US"/>
           </a:p>
@@ -25487,7 +25629,7 @@
           <a:p>
             <a:fld id="{5BCAD085-E8A6-8845-BD4E-CB4CCA059FC4}" type="datetimeFigureOut">
               <a:rPr lang="en-US" smtClean="0"/>
-              <a:t>11/19/2025</a:t>
+              <a:t>11/22/2025</a:t>
             </a:fld>
             <a:endParaRPr lang="en-US"/>
           </a:p>
@@ -25604,7 +25746,7 @@
           <a:p>
             <a:fld id="{5BCAD085-E8A6-8845-BD4E-CB4CCA059FC4}" type="datetimeFigureOut">
               <a:rPr lang="en-US" smtClean="0"/>
-              <a:t>11/19/2025</a:t>
+              <a:t>11/22/2025</a:t>
             </a:fld>
             <a:endParaRPr lang="en-US"/>
           </a:p>
@@ -25699,7 +25841,7 @@
           <a:p>
             <a:fld id="{5BCAD085-E8A6-8845-BD4E-CB4CCA059FC4}" type="datetimeFigureOut">
               <a:rPr lang="en-US" smtClean="0"/>
-              <a:t>11/19/2025</a:t>
+              <a:t>11/22/2025</a:t>
             </a:fld>
             <a:endParaRPr lang="en-US"/>
           </a:p>
@@ -25974,7 +26116,7 @@
           <a:p>
             <a:fld id="{5BCAD085-E8A6-8845-BD4E-CB4CCA059FC4}" type="datetimeFigureOut">
               <a:rPr lang="en-US" smtClean="0"/>
-              <a:t>11/19/2025</a:t>
+              <a:t>11/22/2025</a:t>
             </a:fld>
             <a:endParaRPr lang="en-US"/>
           </a:p>
@@ -26226,7 +26368,7 @@
           <a:p>
             <a:fld id="{5BCAD085-E8A6-8845-BD4E-CB4CCA059FC4}" type="datetimeFigureOut">
               <a:rPr lang="en-US" smtClean="0"/>
-              <a:t>11/19/2025</a:t>
+              <a:t>11/22/2025</a:t>
             </a:fld>
             <a:endParaRPr lang="en-US"/>
           </a:p>
@@ -26437,7 +26579,7 @@
           <a:p>
             <a:fld id="{5BCAD085-E8A6-8845-BD4E-CB4CCA059FC4}" type="datetimeFigureOut">
               <a:rPr lang="en-US" smtClean="0"/>
-              <a:t>11/19/2025</a:t>
+              <a:t>11/22/2025</a:t>
             </a:fld>
             <a:endParaRPr lang="en-US"/>
           </a:p>
@@ -27469,7 +27611,7 @@
           <a:lstStyle/>
           <a:p>
             <a:r>
-              <a:rPr lang="es-MX" sz="1700"/>
+              <a:rPr lang="es-MX" sz="2000" dirty="0"/>
               <a:t>BarrioLink busca desarrollar una solución tecnológica integral que permita mejorar la gestión, comunicación y participación dentro de una Junta de Vecinos, fortaleciendo la organización territorial mediante herramientas digitales accesibles y eficientes.</a:t>
             </a:r>
           </a:p>
@@ -28477,13 +28619,13 @@
         </p:nvSpPr>
         <p:spPr>
           <a:xfrm>
-            <a:off x="593856" y="1317273"/>
-            <a:ext cx="2539088" cy="2549145"/>
+            <a:off x="3289629" y="114944"/>
+            <a:ext cx="2442970" cy="493953"/>
           </a:xfrm>
         </p:spPr>
         <p:txBody>
           <a:bodyPr vert="horz" lIns="91440" tIns="45720" rIns="91440" bIns="45720" rtlCol="0" anchor="b">
-            <a:normAutofit/>
+            <a:normAutofit fontScale="90000"/>
           </a:bodyPr>
           <a:lstStyle/>
           <a:p>
@@ -28493,7 +28635,7 @@
               </a:lnSpc>
             </a:pPr>
             <a:r>
-              <a:rPr lang="en-US" sz="3100" kern="1200">
+              <a:rPr lang="en-US" sz="3100" kern="1200" dirty="0">
                 <a:solidFill>
                   <a:schemeClr val="tx1">
                     <a:lumMod val="85000"/>
@@ -29095,8 +29237,8 @@
         </p:blipFill>
         <p:spPr>
           <a:xfrm>
-            <a:off x="3289629" y="723840"/>
-            <a:ext cx="5854371" cy="5703911"/>
+            <a:off x="283448" y="608897"/>
+            <a:ext cx="8681884" cy="6124937"/>
           </a:xfrm>
           <a:prstGeom prst="rect">
             <a:avLst/>
@@ -29205,7 +29347,7 @@
         </p:spPr>
         <p:txBody>
           <a:bodyPr vert="horz" lIns="91440" tIns="45720" rIns="91440" bIns="45720" rtlCol="0" anchor="ctr">
-            <a:normAutofit/>
+            <a:noAutofit/>
           </a:bodyPr>
           <a:lstStyle/>
           <a:p>
@@ -29220,10 +29362,10 @@
               <a:buChar char="•"/>
             </a:pPr>
             <a:r>
-              <a:rPr lang="en-US" sz="1500" b="1" dirty="0"/>
+              <a:rPr lang="en-US" b="1" dirty="0"/>
               <a:t>Product Owner / Scrum Master (Rol Compartido)</a:t>
             </a:r>
-            <a:endParaRPr lang="en-US" sz="1500" dirty="0"/>
+            <a:endParaRPr lang="en-US" dirty="0"/>
           </a:p>
           <a:p>
             <a:pPr lvl="0" indent="-228600" defTabSz="914400">
@@ -29237,14 +29379,14 @@
               <a:buChar char="•"/>
             </a:pPr>
             <a:r>
-              <a:rPr lang="en-US" sz="1500" dirty="0"/>
+              <a:rPr lang="en-US" dirty="0"/>
               <a:t>Responsables: David Zurita </a:t>
             </a:r>
             <a:r>
-              <a:rPr lang="en-US" sz="1500" i="1" dirty="0"/>
+              <a:rPr lang="en-US" i="1" dirty="0"/>
               <a:t>y Bruce Larco</a:t>
             </a:r>
-            <a:endParaRPr lang="en-US" sz="1500" dirty="0"/>
+            <a:endParaRPr lang="en-US" dirty="0"/>
           </a:p>
           <a:p>
             <a:pPr lvl="0" indent="-228600" defTabSz="914400">
@@ -29258,7 +29400,7 @@
               <a:buChar char="•"/>
             </a:pPr>
             <a:r>
-              <a:rPr lang="en-US" sz="1500" dirty="0"/>
+              <a:rPr lang="en-US" dirty="0"/>
               <a:t>Ambos gestionan los requisitos, priorizan el backlog, coordinan con el cliente, planifican el trabajo y supervisan el avance.</a:t>
             </a:r>
           </a:p>
@@ -29274,10 +29416,10 @@
               <a:buChar char="•"/>
             </a:pPr>
             <a:r>
-              <a:rPr lang="en-US" sz="1500" b="1" dirty="0"/>
+              <a:rPr lang="en-US" b="1" dirty="0"/>
               <a:t>Equipo de Desarrollo</a:t>
             </a:r>
-            <a:endParaRPr lang="en-US" sz="1500" dirty="0"/>
+            <a:endParaRPr lang="en-US" dirty="0"/>
           </a:p>
           <a:p>
             <a:pPr lvl="0" indent="-228600" defTabSz="914400">
@@ -29291,11 +29433,11 @@
               <a:buChar char="•"/>
             </a:pPr>
             <a:r>
-              <a:rPr lang="en-US" sz="1500" dirty="0"/>
+              <a:rPr lang="en-US" dirty="0"/>
               <a:t>Integrantes: David Zurita </a:t>
             </a:r>
             <a:r>
-              <a:rPr lang="en-US" sz="1500" i="1" dirty="0"/>
+              <a:rPr lang="en-US" i="1" dirty="0"/>
               <a:t>y Bruce Larco</a:t>
             </a:r>
           </a:p>
@@ -29311,7 +29453,7 @@
               <a:buChar char="•"/>
             </a:pPr>
             <a:r>
-              <a:rPr lang="en-US" sz="1500" dirty="0"/>
+              <a:rPr lang="en-US" dirty="0"/>
               <a:t>Realizan el diseño, programación, pruebas, integración y documentación del sistema.</a:t>
             </a:r>
           </a:p>
@@ -29327,10 +29469,10 @@
               <a:buChar char="•"/>
             </a:pPr>
             <a:r>
-              <a:rPr lang="en-US" sz="1500" b="1" dirty="0"/>
+              <a:rPr lang="en-US" b="1" dirty="0"/>
               <a:t>Justificación del Modelo</a:t>
             </a:r>
-            <a:endParaRPr lang="en-US" sz="1500" dirty="0"/>
+            <a:endParaRPr lang="en-US" dirty="0"/>
           </a:p>
           <a:p>
             <a:pPr lvl="0" indent="-228600" defTabSz="914400">
@@ -29344,7 +29486,7 @@
               <a:buChar char="•"/>
             </a:pPr>
             <a:r>
-              <a:rPr lang="en-US" sz="1500" dirty="0"/>
+              <a:rPr lang="en-US" dirty="0"/>
               <a:t>Debido a que el proyecto es ejecutado por un equipo de dos personas, los roles de gestión y desarrollo se unifican. Ambos integrantes cumplen funciones combinadas de Product Owner, Scrum Master y Desarrolladores, adaptando Scrum a un entorno minimalista.</a:t>
             </a:r>
           </a:p>
@@ -29763,8 +29905,8 @@
         </p:blipFill>
         <p:spPr>
           <a:xfrm>
-            <a:off x="567145" y="1219200"/>
-            <a:ext cx="5622815" cy="3753228"/>
+            <a:off x="584133" y="1111719"/>
+            <a:ext cx="6937821" cy="4630994"/>
           </a:xfrm>
           <a:prstGeom prst="rect">
             <a:avLst/>
@@ -30165,10 +30307,10 @@
       </p:grpSpPr>
       <p:sp useBgFill="1">
         <p:nvSpPr>
-          <p:cNvPr id="29" name="Rectangle 28">
+          <p:cNvPr id="57" name="Rectangle 44">
             <a:extLst>
               <a:ext uri="{FF2B5EF4-FFF2-40B4-BE49-F238E27FC236}">
-                <a16:creationId xmlns:a16="http://schemas.microsoft.com/office/drawing/2014/main" id="{CBB2B1F0-0DD6-4744-9A46-7A344FB48E40}"/>
+                <a16:creationId xmlns:a16="http://schemas.microsoft.com/office/drawing/2014/main" id="{0D7B6173-1D58-48E2-83CF-37350F315F75}"/>
               </a:ext>
               <a:ext uri="{C183D7F6-B498-43B3-948B-1728B52AA6E4}">
                 <adec:decorative xmlns:adec="http://schemas.microsoft.com/office/drawing/2017/decorative" val="1"/>
@@ -30188,8 +30330,8 @@
         </p:nvSpPr>
         <p:spPr>
           <a:xfrm>
-            <a:off x="0" y="0"/>
-            <a:ext cx="9144000" cy="6858000"/>
+            <a:off x="0" y="-1"/>
+            <a:ext cx="9141714" cy="6858000"/>
           </a:xfrm>
           <a:prstGeom prst="rect">
             <a:avLst/>
@@ -30225,39 +30367,10 @@
       </p:sp>
       <p:sp>
         <p:nvSpPr>
-          <p:cNvPr id="2" name="Title 1"/>
-          <p:cNvSpPr>
-            <a:spLocks noGrp="1"/>
-          </p:cNvSpPr>
-          <p:nvPr>
-            <p:ph type="title"/>
-          </p:nvPr>
-        </p:nvSpPr>
-        <p:spPr>
-          <a:xfrm>
-            <a:off x="630936" y="426720"/>
-            <a:ext cx="7879842" cy="1919141"/>
-          </a:xfrm>
-        </p:spPr>
-        <p:txBody>
-          <a:bodyPr anchor="b">
-            <a:normAutofit/>
-          </a:bodyPr>
-          <a:lstStyle/>
-          <a:p>
-            <a:r>
-              <a:rPr lang="es-CL" sz="5200"/>
-              <a:t>Cierre</a:t>
-            </a:r>
-          </a:p>
-        </p:txBody>
-      </p:sp>
-      <p:sp>
-        <p:nvSpPr>
-          <p:cNvPr id="31" name="Rectangle 30">
+          <p:cNvPr id="58" name="Rectangle 46">
             <a:extLst>
               <a:ext uri="{FF2B5EF4-FFF2-40B4-BE49-F238E27FC236}">
-                <a16:creationId xmlns:a16="http://schemas.microsoft.com/office/drawing/2014/main" id="{52D502E5-F6B4-4D58-B4AE-FC466FF15EE8}"/>
+                <a16:creationId xmlns:a16="http://schemas.microsoft.com/office/drawing/2014/main" id="{BE149CDF-5DAC-4860-A285-9492CF2090AA}"/>
               </a:ext>
               <a:ext uri="{C183D7F6-B498-43B3-948B-1728B52AA6E4}">
                 <adec:decorative xmlns:adec="http://schemas.microsoft.com/office/drawing/2017/decorative" val="1"/>
@@ -30277,83 +30390,16 @@
         </p:nvSpPr>
         <p:spPr>
           <a:xfrm>
-            <a:off x="649464" y="2899927"/>
-            <a:ext cx="7838694" cy="18288"/>
+            <a:off x="0" y="0"/>
+            <a:ext cx="9141714" cy="6858000"/>
           </a:xfrm>
           <a:prstGeom prst="rect">
             <a:avLst/>
           </a:prstGeom>
           <a:solidFill>
-            <a:srgbClr val="D5D5D5"/>
-          </a:solidFill>
-          <a:ln w="3175">
-            <a:noFill/>
-          </a:ln>
-          <a:effectLst/>
-        </p:spPr>
-        <p:style>
-          <a:lnRef idx="2">
-            <a:schemeClr val="accent1">
-              <a:shade val="50000"/>
+            <a:schemeClr val="bg2">
+              <a:alpha val="50000"/>
             </a:schemeClr>
-          </a:lnRef>
-          <a:fillRef idx="1">
-            <a:schemeClr val="accent1"/>
-          </a:fillRef>
-          <a:effectRef idx="0">
-            <a:schemeClr val="accent1"/>
-          </a:effectRef>
-          <a:fontRef idx="minor">
-            <a:schemeClr val="lt1"/>
-          </a:fontRef>
-        </p:style>
-        <p:txBody>
-          <a:bodyPr rtlCol="0" anchor="ctr"/>
-          <a:lstStyle/>
-          <a:p>
-            <a:pPr algn="ctr"/>
-            <a:endParaRPr lang="en-US">
-              <a:solidFill>
-                <a:prstClr val="white"/>
-              </a:solidFill>
-              <a:latin typeface="Calibri" panose="020F0502020204030204"/>
-            </a:endParaRPr>
-          </a:p>
-        </p:txBody>
-      </p:sp>
-      <p:sp>
-        <p:nvSpPr>
-          <p:cNvPr id="33" name="Rectangle 32">
-            <a:extLst>
-              <a:ext uri="{FF2B5EF4-FFF2-40B4-BE49-F238E27FC236}">
-                <a16:creationId xmlns:a16="http://schemas.microsoft.com/office/drawing/2014/main" id="{9DECDBF4-02B6-4BB4-B65B-B8107AD6A9E8}"/>
-              </a:ext>
-              <a:ext uri="{C183D7F6-B498-43B3-948B-1728B52AA6E4}">
-                <adec:decorative xmlns:adec="http://schemas.microsoft.com/office/drawing/2017/decorative" val="1"/>
-              </a:ext>
-            </a:extLst>
-          </p:cNvPr>
-          <p:cNvSpPr>
-            <a:spLocks noGrp="1" noRot="1" noChangeAspect="1" noMove="1" noResize="1" noEditPoints="1" noAdjustHandles="1" noChangeArrowheads="1" noChangeShapeType="1" noTextEdit="1"/>
-          </p:cNvSpPr>
-          <p:nvPr>
-            <p:extLst>
-              <p:ext uri="{386F3935-93C4-4BCD-93E2-E3B085C9AB24}">
-                <p16:designElem xmlns:p16="http://schemas.microsoft.com/office/powerpoint/2015/main" val="1"/>
-              </p:ext>
-            </p:extLst>
-          </p:nvPr>
-        </p:nvSpPr>
-        <p:spPr>
-          <a:xfrm flipV="1">
-            <a:off x="630936" y="2776031"/>
-            <a:ext cx="1405092" cy="137160"/>
-          </a:xfrm>
-          <a:prstGeom prst="rect">
-            <a:avLst/>
-          </a:prstGeom>
-          <a:solidFill>
-            <a:schemeClr val="accent2"/>
           </a:solidFill>
           <a:ln>
             <a:noFill/>
@@ -30380,12 +30426,222 @@
           <a:lstStyle/>
           <a:p>
             <a:pPr algn="ctr"/>
-            <a:endParaRPr lang="en-US">
+            <a:endParaRPr lang="en-US" dirty="0"/>
+          </a:p>
+        </p:txBody>
+      </p:sp>
+      <p:pic>
+        <p:nvPicPr>
+          <p:cNvPr id="59" name="Picture 48">
+            <a:extLst>
+              <a:ext uri="{FF2B5EF4-FFF2-40B4-BE49-F238E27FC236}">
+                <a16:creationId xmlns:a16="http://schemas.microsoft.com/office/drawing/2014/main" id="{B0DAC8FB-A162-44E3-A606-C855A03A5B09}"/>
+              </a:ext>
+              <a:ext uri="{C183D7F6-B498-43B3-948B-1728B52AA6E4}">
+                <adec:decorative xmlns:adec="http://schemas.microsoft.com/office/drawing/2017/decorative" val="1"/>
+              </a:ext>
+            </a:extLst>
+          </p:cNvPr>
+          <p:cNvPicPr>
+            <a:picLocks noGrp="1" noRot="1" noChangeAspect="1" noMove="1" noResize="1" noEditPoints="1" noAdjustHandles="1" noChangeArrowheads="1" noChangeShapeType="1" noCrop="1"/>
+          </p:cNvPicPr>
+          <p:nvPr>
+            <p:extLst>
+              <p:ext uri="{386F3935-93C4-4BCD-93E2-E3B085C9AB24}">
+                <p16:designElem xmlns:p16="http://schemas.microsoft.com/office/powerpoint/2015/main" val="1"/>
+              </p:ext>
+            </p:extLst>
+          </p:nvPr>
+        </p:nvPicPr>
+        <p:blipFill>
+          <a:blip r:embed="rId2">
+            <a:extLst>
+              <a:ext uri="{28A0092B-C50C-407E-A947-70E740481C1C}">
+                <a14:useLocalDpi xmlns:a14="http://schemas.microsoft.com/office/drawing/2010/main" val="0"/>
+              </a:ext>
+            </a:extLst>
+          </a:blip>
+          <a:stretch>
+            <a:fillRect/>
+          </a:stretch>
+        </p:blipFill>
+        <p:spPr>
+          <a:xfrm>
+            <a:off x="0" y="0"/>
+            <a:ext cx="9141714" cy="6862380"/>
+          </a:xfrm>
+          <a:prstGeom prst="rect">
+            <a:avLst/>
+          </a:prstGeom>
+        </p:spPr>
+      </p:pic>
+      <p:sp>
+        <p:nvSpPr>
+          <p:cNvPr id="60" name="Rectangle 50">
+            <a:extLst>
+              <a:ext uri="{FF2B5EF4-FFF2-40B4-BE49-F238E27FC236}">
+                <a16:creationId xmlns:a16="http://schemas.microsoft.com/office/drawing/2014/main" id="{21BDEC81-16A7-4451-B893-C15000083B77}"/>
+              </a:ext>
+              <a:ext uri="{C183D7F6-B498-43B3-948B-1728B52AA6E4}">
+                <adec:decorative xmlns:adec="http://schemas.microsoft.com/office/drawing/2017/decorative" val="1"/>
+              </a:ext>
+            </a:extLst>
+          </p:cNvPr>
+          <p:cNvSpPr>
+            <a:spLocks noGrp="1" noRot="1" noChangeAspect="1" noMove="1" noResize="1" noEditPoints="1" noAdjustHandles="1" noChangeArrowheads="1" noChangeShapeType="1" noTextEdit="1"/>
+          </p:cNvSpPr>
+          <p:nvPr>
+            <p:extLst>
+              <p:ext uri="{386F3935-93C4-4BCD-93E2-E3B085C9AB24}">
+                <p16:designElem xmlns:p16="http://schemas.microsoft.com/office/powerpoint/2015/main" val="1"/>
+              </p:ext>
+            </p:extLst>
+          </p:nvPr>
+        </p:nvSpPr>
+        <p:spPr>
+          <a:xfrm>
+            <a:off x="0" y="0"/>
+            <a:ext cx="9141714" cy="6858000"/>
+          </a:xfrm>
+          <a:prstGeom prst="rect">
+            <a:avLst/>
+          </a:prstGeom>
+          <a:solidFill>
+            <a:schemeClr val="accent1">
+              <a:alpha val="20000"/>
+            </a:schemeClr>
+          </a:solidFill>
+          <a:ln>
+            <a:noFill/>
+          </a:ln>
+        </p:spPr>
+        <p:style>
+          <a:lnRef idx="2">
+            <a:schemeClr val="accent1">
+              <a:shade val="50000"/>
+            </a:schemeClr>
+          </a:lnRef>
+          <a:fillRef idx="1">
+            <a:schemeClr val="accent1"/>
+          </a:fillRef>
+          <a:effectRef idx="0">
+            <a:schemeClr val="accent1"/>
+          </a:effectRef>
+          <a:fontRef idx="minor">
+            <a:schemeClr val="lt1"/>
+          </a:fontRef>
+        </p:style>
+        <p:txBody>
+          <a:bodyPr rtlCol="0" anchor="ctr"/>
+          <a:lstStyle/>
+          <a:p>
+            <a:pPr algn="ctr"/>
+            <a:endParaRPr lang="en-US" dirty="0"/>
+          </a:p>
+        </p:txBody>
+      </p:sp>
+      <p:sp>
+        <p:nvSpPr>
+          <p:cNvPr id="61" name="Rectangle 52">
+            <a:extLst>
+              <a:ext uri="{FF2B5EF4-FFF2-40B4-BE49-F238E27FC236}">
+                <a16:creationId xmlns:a16="http://schemas.microsoft.com/office/drawing/2014/main" id="{26A515A1-4D80-430E-BE0A-71A290516A82}"/>
+              </a:ext>
+              <a:ext uri="{C183D7F6-B498-43B3-948B-1728B52AA6E4}">
+                <adec:decorative xmlns:adec="http://schemas.microsoft.com/office/drawing/2017/decorative" val="1"/>
+              </a:ext>
+            </a:extLst>
+          </p:cNvPr>
+          <p:cNvSpPr>
+            <a:spLocks noGrp="1" noRot="1" noChangeAspect="1" noMove="1" noResize="1" noEditPoints="1" noAdjustHandles="1" noChangeArrowheads="1" noChangeShapeType="1" noTextEdit="1"/>
+          </p:cNvSpPr>
+          <p:nvPr>
+            <p:extLst>
+              <p:ext uri="{386F3935-93C4-4BCD-93E2-E3B085C9AB24}">
+                <p16:designElem xmlns:p16="http://schemas.microsoft.com/office/powerpoint/2015/main" val="1"/>
+              </p:ext>
+            </p:extLst>
+          </p:nvPr>
+        </p:nvSpPr>
+        <p:spPr>
+          <a:xfrm>
+            <a:off x="403906" y="729175"/>
+            <a:ext cx="8324514" cy="5399650"/>
+          </a:xfrm>
+          <a:prstGeom prst="rect">
+            <a:avLst/>
+          </a:prstGeom>
+          <a:solidFill>
+            <a:schemeClr val="bg1"/>
+          </a:solidFill>
+          <a:ln w="34925">
+            <a:noFill/>
+          </a:ln>
+        </p:spPr>
+        <p:style>
+          <a:lnRef idx="2">
+            <a:schemeClr val="accent1">
+              <a:shade val="50000"/>
+            </a:schemeClr>
+          </a:lnRef>
+          <a:fillRef idx="1">
+            <a:schemeClr val="accent1"/>
+          </a:fillRef>
+          <a:effectRef idx="0">
+            <a:schemeClr val="accent1"/>
+          </a:effectRef>
+          <a:fontRef idx="minor">
+            <a:schemeClr val="lt1"/>
+          </a:fontRef>
+        </p:style>
+        <p:txBody>
+          <a:bodyPr rtlCol="0" anchor="ctr"/>
+          <a:lstStyle/>
+          <a:p>
+            <a:pPr algn="ctr"/>
+            <a:endParaRPr lang="en-US" b="1">
+              <a:ln w="22225">
+                <a:solidFill>
+                  <a:schemeClr val="accent2"/>
+                </a:solidFill>
+                <a:prstDash val="solid"/>
+              </a:ln>
               <a:solidFill>
-                <a:prstClr val="white"/>
+                <a:schemeClr val="accent2">
+                  <a:lumMod val="40000"/>
+                  <a:lumOff val="60000"/>
+                </a:schemeClr>
               </a:solidFill>
-              <a:latin typeface="Calibri" panose="020F0502020204030204"/>
             </a:endParaRPr>
+          </a:p>
+        </p:txBody>
+      </p:sp>
+      <p:sp>
+        <p:nvSpPr>
+          <p:cNvPr id="2" name="Title 1"/>
+          <p:cNvSpPr>
+            <a:spLocks noGrp="1"/>
+          </p:cNvSpPr>
+          <p:nvPr>
+            <p:ph type="title"/>
+          </p:nvPr>
+        </p:nvSpPr>
+        <p:spPr>
+          <a:xfrm>
+            <a:off x="893974" y="905011"/>
+            <a:ext cx="2722166" cy="1889135"/>
+          </a:xfrm>
+        </p:spPr>
+        <p:txBody>
+          <a:bodyPr anchor="b">
+            <a:normAutofit/>
+          </a:bodyPr>
+          <a:lstStyle/>
+          <a:p>
+            <a:r>
+              <a:rPr lang="es-CL" sz="4200"/>
+              <a:t>Cierre</a:t>
+            </a:r>
           </a:p>
         </p:txBody>
       </p:sp>
@@ -30401,23 +30657,59 @@
         </p:nvSpPr>
         <p:spPr>
           <a:xfrm>
-            <a:off x="630936" y="3337269"/>
-            <a:ext cx="7882128" cy="2905686"/>
+            <a:off x="893974" y="2965592"/>
+            <a:ext cx="2722166" cy="2987397"/>
           </a:xfrm>
         </p:spPr>
         <p:txBody>
-          <a:bodyPr vert="horz" lIns="91440" tIns="45720" rIns="91440" bIns="45720" rtlCol="0" anchor="t">
+          <a:bodyPr vert="horz" lIns="91440" tIns="45720" rIns="91440" bIns="45720" rtlCol="0">
             <a:normAutofit/>
           </a:bodyPr>
           <a:lstStyle/>
           <a:p>
+            <a:pPr>
+              <a:lnSpc>
+                <a:spcPct val="90000"/>
+              </a:lnSpc>
+            </a:pPr>
             <a:r>
-              <a:rPr lang="es-MX" sz="1900" dirty="0"/>
+              <a:rPr lang="es-MX" sz="1600"/>
               <a:t>BarrioLink permitirá impulsar la modernización de las juntas de vecinos, mejorando la comunicación, la organización y la participación comunitaria. La solución integrada ofrece beneficios sostenibles, escalables y alineados con las necesidades reales del territorio.</a:t>
             </a:r>
           </a:p>
         </p:txBody>
       </p:sp>
+      <p:pic>
+        <p:nvPicPr>
+          <p:cNvPr id="4" name="Imagen 3" descr="Logotipo, nombre de la empresa&#10;&#10;El contenido generado por IA puede ser incorrecto.">
+            <a:extLst>
+              <a:ext uri="{FF2B5EF4-FFF2-40B4-BE49-F238E27FC236}">
+                <a16:creationId xmlns:a16="http://schemas.microsoft.com/office/drawing/2014/main" id="{E5F3CA56-202B-ECDB-9299-1C4DB2A8350A}"/>
+              </a:ext>
+            </a:extLst>
+          </p:cNvPr>
+          <p:cNvPicPr>
+            <a:picLocks noChangeAspect="1"/>
+          </p:cNvPicPr>
+          <p:nvPr/>
+        </p:nvPicPr>
+        <p:blipFill>
+          <a:blip r:embed="rId3"/>
+          <a:srcRect l="2106" r="7337"/>
+          <a:stretch>
+            <a:fillRect/>
+          </a:stretch>
+        </p:blipFill>
+        <p:spPr>
+          <a:xfrm>
+            <a:off x="4019363" y="895610"/>
+            <a:ext cx="4580374" cy="5058020"/>
+          </a:xfrm>
+          <a:prstGeom prst="rect">
+            <a:avLst/>
+          </a:prstGeom>
+        </p:spPr>
+      </p:pic>
     </p:spTree>
   </p:cSld>
   <p:clrMapOvr>
@@ -30563,7 +30855,7 @@
           <a:lstStyle/>
           <a:p>
             <a:r>
-              <a:rPr lang="es-MX" sz="1600"/>
+              <a:rPr lang="es-MX" sz="2000" dirty="0"/>
               <a:t>Las juntas de vecinos en Chile suelen carecer de herramientas tecnológicas modernas para gestionar sus operaciones. Esto provoca desorganización, demoras en trámites y una comunicación poco efectiva con la comunidad. El proyecto APT surge desde el ámbito académico y social para responder a esta brecha tecnológica.</a:t>
             </a:r>
           </a:p>
@@ -31199,7 +31491,7 @@
             <p:ph idx="1"/>
             <p:extLst>
               <p:ext uri="{D42A27DB-BD31-4B8C-83A1-F6EECF244321}">
-                <p14:modId xmlns:p14="http://schemas.microsoft.com/office/powerpoint/2010/main" val="1067047242"/>
+                <p14:modId xmlns:p14="http://schemas.microsoft.com/office/powerpoint/2010/main" val="154978461"/>
               </p:ext>
             </p:extLst>
           </p:nvPr>

--- a/Equipo 09/Fase 2/Evidencias Proyecto/Presentacion.pptx
+++ b/Equipo 09/Fase 2/Evidencias Proyecto/Presentacion.pptx
@@ -139,7 +139,7 @@
 <file path=ppt/revisionInfo.xml><?xml version="1.0" encoding="utf-8"?>
 <p1510:revInfo xmlns:a="http://schemas.openxmlformats.org/drawingml/2006/main" xmlns:r="http://schemas.openxmlformats.org/officeDocument/2006/relationships" xmlns:p1510="http://schemas.microsoft.com/office/powerpoint/2015/10/main">
   <p1510:revLst>
-    <p1510:client id="{0850BA6E-9CC3-46A0-A44A-31D5629C2D49}" v="12" dt="2025-11-22T17:50:30.715"/>
+    <p1510:client id="{851525E5-7C6C-47A1-9ECC-2A184640884C}" v="4" dt="2025-11-25T23:15:04.874"/>
   </p1510:revLst>
 </p1510:revInfo>
 </file>
@@ -149,18 +149,18 @@
   <pc:docChgLst>
     <pc:chgData name="bruce larco" userId="7582802b1fe67b81" providerId="LiveId" clId="{96780D1D-266B-4D47-891B-A8DB4FF4300F}"/>
     <pc:docChg chg="undo custSel modSld">
-      <pc:chgData name="bruce larco" userId="7582802b1fe67b81" providerId="LiveId" clId="{96780D1D-266B-4D47-891B-A8DB4FF4300F}" dt="2025-11-22T17:59:33.821" v="31" actId="26606"/>
+      <pc:chgData name="bruce larco" userId="7582802b1fe67b81" providerId="LiveId" clId="{96780D1D-266B-4D47-891B-A8DB4FF4300F}" dt="2025-11-25T23:16:53.006" v="119" actId="1076"/>
       <pc:docMkLst>
         <pc:docMk/>
       </pc:docMkLst>
       <pc:sldChg chg="modSp mod">
-        <pc:chgData name="bruce larco" userId="7582802b1fe67b81" providerId="LiveId" clId="{96780D1D-266B-4D47-891B-A8DB4FF4300F}" dt="2025-11-22T17:45:23.070" v="0" actId="255"/>
+        <pc:chgData name="bruce larco" userId="7582802b1fe67b81" providerId="LiveId" clId="{96780D1D-266B-4D47-891B-A8DB4FF4300F}" dt="2025-11-25T23:10:42.352" v="74" actId="20577"/>
         <pc:sldMkLst>
           <pc:docMk/>
           <pc:sldMk cId="0" sldId="256"/>
         </pc:sldMkLst>
         <pc:spChg chg="mod">
-          <ac:chgData name="bruce larco" userId="7582802b1fe67b81" providerId="LiveId" clId="{96780D1D-266B-4D47-891B-A8DB4FF4300F}" dt="2025-11-22T17:45:23.070" v="0" actId="255"/>
+          <ac:chgData name="bruce larco" userId="7582802b1fe67b81" providerId="LiveId" clId="{96780D1D-266B-4D47-891B-A8DB4FF4300F}" dt="2025-11-25T23:10:42.352" v="74" actId="20577"/>
           <ac:spMkLst>
             <pc:docMk/>
             <pc:sldMk cId="0" sldId="256"/>
@@ -169,13 +169,13 @@
         </pc:spChg>
       </pc:sldChg>
       <pc:sldChg chg="modSp mod">
-        <pc:chgData name="bruce larco" userId="7582802b1fe67b81" providerId="LiveId" clId="{96780D1D-266B-4D47-891B-A8DB4FF4300F}" dt="2025-11-22T17:45:35.180" v="1" actId="255"/>
+        <pc:chgData name="bruce larco" userId="7582802b1fe67b81" providerId="LiveId" clId="{96780D1D-266B-4D47-891B-A8DB4FF4300F}" dt="2025-11-25T23:11:07.873" v="75" actId="20577"/>
         <pc:sldMkLst>
           <pc:docMk/>
           <pc:sldMk cId="0" sldId="257"/>
         </pc:sldMkLst>
         <pc:spChg chg="mod">
-          <ac:chgData name="bruce larco" userId="7582802b1fe67b81" providerId="LiveId" clId="{96780D1D-266B-4D47-891B-A8DB4FF4300F}" dt="2025-11-22T17:45:35.180" v="1" actId="255"/>
+          <ac:chgData name="bruce larco" userId="7582802b1fe67b81" providerId="LiveId" clId="{96780D1D-266B-4D47-891B-A8DB4FF4300F}" dt="2025-11-25T23:11:07.873" v="75" actId="20577"/>
           <ac:spMkLst>
             <pc:docMk/>
             <pc:sldMk cId="0" sldId="257"/>
@@ -183,14 +183,14 @@
           </ac:spMkLst>
         </pc:spChg>
       </pc:sldChg>
-      <pc:sldChg chg="modSp">
-        <pc:chgData name="bruce larco" userId="7582802b1fe67b81" providerId="LiveId" clId="{96780D1D-266B-4D47-891B-A8DB4FF4300F}" dt="2025-11-22T17:45:58.356" v="3" actId="313"/>
+      <pc:sldChg chg="modSp mod">
+        <pc:chgData name="bruce larco" userId="7582802b1fe67b81" providerId="LiveId" clId="{96780D1D-266B-4D47-891B-A8DB4FF4300F}" dt="2025-11-25T23:11:31.342" v="76" actId="27107"/>
         <pc:sldMkLst>
           <pc:docMk/>
           <pc:sldMk cId="0" sldId="258"/>
         </pc:sldMkLst>
-        <pc:graphicFrameChg chg="mod">
-          <ac:chgData name="bruce larco" userId="7582802b1fe67b81" providerId="LiveId" clId="{96780D1D-266B-4D47-891B-A8DB4FF4300F}" dt="2025-11-22T17:45:58.356" v="3" actId="313"/>
+        <pc:graphicFrameChg chg="mod modGraphic">
+          <ac:chgData name="bruce larco" userId="7582802b1fe67b81" providerId="LiveId" clId="{96780D1D-266B-4D47-891B-A8DB4FF4300F}" dt="2025-11-25T23:11:31.342" v="76" actId="27107"/>
           <ac:graphicFrameMkLst>
             <pc:docMk/>
             <pc:sldMk cId="0" sldId="258"/>
@@ -199,13 +199,51 @@
         </pc:graphicFrameChg>
       </pc:sldChg>
       <pc:sldChg chg="modSp mod">
-        <pc:chgData name="bruce larco" userId="7582802b1fe67b81" providerId="LiveId" clId="{96780D1D-266B-4D47-891B-A8DB4FF4300F}" dt="2025-11-22T17:49:14.853" v="15" actId="255"/>
+        <pc:chgData name="bruce larco" userId="7582802b1fe67b81" providerId="LiveId" clId="{96780D1D-266B-4D47-891B-A8DB4FF4300F}" dt="2025-11-25T23:12:10.990" v="79" actId="20577"/>
+        <pc:sldMkLst>
+          <pc:docMk/>
+          <pc:sldMk cId="0" sldId="260"/>
+        </pc:sldMkLst>
+        <pc:graphicFrameChg chg="modGraphic">
+          <ac:chgData name="bruce larco" userId="7582802b1fe67b81" providerId="LiveId" clId="{96780D1D-266B-4D47-891B-A8DB4FF4300F}" dt="2025-11-25T23:12:10.990" v="79" actId="20577"/>
+          <ac:graphicFrameMkLst>
+            <pc:docMk/>
+            <pc:sldMk cId="0" sldId="260"/>
+            <ac:graphicFrameMk id="5" creationId="{27AAC949-B831-4DE4-01A9-A6EFF029755F}"/>
+          </ac:graphicFrameMkLst>
+        </pc:graphicFrameChg>
+      </pc:sldChg>
+      <pc:sldChg chg="modSp mod">
+        <pc:chgData name="bruce larco" userId="7582802b1fe67b81" providerId="LiveId" clId="{96780D1D-266B-4D47-891B-A8DB4FF4300F}" dt="2025-11-25T23:15:01.230" v="112" actId="20577"/>
+        <pc:sldMkLst>
+          <pc:docMk/>
+          <pc:sldMk cId="0" sldId="265"/>
+        </pc:sldMkLst>
+        <pc:graphicFrameChg chg="modGraphic">
+          <ac:chgData name="bruce larco" userId="7582802b1fe67b81" providerId="LiveId" clId="{96780D1D-266B-4D47-891B-A8DB4FF4300F}" dt="2025-11-25T23:15:01.230" v="112" actId="20577"/>
+          <ac:graphicFrameMkLst>
+            <pc:docMk/>
+            <pc:sldMk cId="0" sldId="265"/>
+            <ac:graphicFrameMk id="5" creationId="{444D3678-D2FD-5CEF-3EB8-208CA750AD88}"/>
+          </ac:graphicFrameMkLst>
+        </pc:graphicFrameChg>
+      </pc:sldChg>
+      <pc:sldChg chg="modSp mod">
+        <pc:chgData name="bruce larco" userId="7582802b1fe67b81" providerId="LiveId" clId="{96780D1D-266B-4D47-891B-A8DB4FF4300F}" dt="2025-11-25T23:16:53.006" v="119" actId="1076"/>
         <pc:sldMkLst>
           <pc:docMk/>
           <pc:sldMk cId="0" sldId="266"/>
         </pc:sldMkLst>
         <pc:spChg chg="mod">
-          <ac:chgData name="bruce larco" userId="7582802b1fe67b81" providerId="LiveId" clId="{96780D1D-266B-4D47-891B-A8DB4FF4300F}" dt="2025-11-22T17:49:14.853" v="15" actId="255"/>
+          <ac:chgData name="bruce larco" userId="7582802b1fe67b81" providerId="LiveId" clId="{96780D1D-266B-4D47-891B-A8DB4FF4300F}" dt="2025-11-25T23:16:53.006" v="119" actId="1076"/>
+          <ac:spMkLst>
+            <pc:docMk/>
+            <pc:sldMk cId="0" sldId="266"/>
+            <ac:spMk id="2" creationId="{00000000-0000-0000-0000-000000000000}"/>
+          </ac:spMkLst>
+        </pc:spChg>
+        <pc:spChg chg="mod">
+          <ac:chgData name="bruce larco" userId="7582802b1fe67b81" providerId="LiveId" clId="{96780D1D-266B-4D47-891B-A8DB4FF4300F}" dt="2025-11-25T23:16:48.660" v="118" actId="14100"/>
           <ac:spMkLst>
             <pc:docMk/>
             <pc:sldMk cId="0" sldId="266"/>
@@ -250,78 +288,6 @@
             <ac:spMk id="3" creationId="{00000000-0000-0000-0000-000000000000}"/>
           </ac:spMkLst>
         </pc:spChg>
-        <pc:spChg chg="del">
-          <ac:chgData name="bruce larco" userId="7582802b1fe67b81" providerId="LiveId" clId="{96780D1D-266B-4D47-891B-A8DB4FF4300F}" dt="2025-11-22T17:50:41.035" v="20" actId="26606"/>
-          <ac:spMkLst>
-            <pc:docMk/>
-            <pc:sldMk cId="0" sldId="269"/>
-            <ac:spMk id="29" creationId="{CBB2B1F0-0DD6-4744-9A46-7A344FB48E40}"/>
-          </ac:spMkLst>
-        </pc:spChg>
-        <pc:spChg chg="del">
-          <ac:chgData name="bruce larco" userId="7582802b1fe67b81" providerId="LiveId" clId="{96780D1D-266B-4D47-891B-A8DB4FF4300F}" dt="2025-11-22T17:50:41.035" v="20" actId="26606"/>
-          <ac:spMkLst>
-            <pc:docMk/>
-            <pc:sldMk cId="0" sldId="269"/>
-            <ac:spMk id="31" creationId="{52D502E5-F6B4-4D58-B4AE-FC466FF15EE8}"/>
-          </ac:spMkLst>
-        </pc:spChg>
-        <pc:spChg chg="del">
-          <ac:chgData name="bruce larco" userId="7582802b1fe67b81" providerId="LiveId" clId="{96780D1D-266B-4D47-891B-A8DB4FF4300F}" dt="2025-11-22T17:50:41.035" v="20" actId="26606"/>
-          <ac:spMkLst>
-            <pc:docMk/>
-            <pc:sldMk cId="0" sldId="269"/>
-            <ac:spMk id="33" creationId="{9DECDBF4-02B6-4BB4-B65B-B8107AD6A9E8}"/>
-          </ac:spMkLst>
-        </pc:spChg>
-        <pc:spChg chg="add del">
-          <ac:chgData name="bruce larco" userId="7582802b1fe67b81" providerId="LiveId" clId="{96780D1D-266B-4D47-891B-A8DB4FF4300F}" dt="2025-11-22T17:59:33.821" v="31" actId="26606"/>
-          <ac:spMkLst>
-            <pc:docMk/>
-            <pc:sldMk cId="0" sldId="269"/>
-            <ac:spMk id="38" creationId="{F13C74B1-5B17-4795-BED0-7140497B445A}"/>
-          </ac:spMkLst>
-        </pc:spChg>
-        <pc:spChg chg="add del">
-          <ac:chgData name="bruce larco" userId="7582802b1fe67b81" providerId="LiveId" clId="{96780D1D-266B-4D47-891B-A8DB4FF4300F}" dt="2025-11-22T17:59:33.821" v="31" actId="26606"/>
-          <ac:spMkLst>
-            <pc:docMk/>
-            <pc:sldMk cId="0" sldId="269"/>
-            <ac:spMk id="40" creationId="{D4974D33-8DC5-464E-8C6D-BE58F0669C17}"/>
-          </ac:spMkLst>
-        </pc:spChg>
-        <pc:spChg chg="add del">
-          <ac:chgData name="bruce larco" userId="7582802b1fe67b81" providerId="LiveId" clId="{96780D1D-266B-4D47-891B-A8DB4FF4300F}" dt="2025-11-22T17:59:29.579" v="28" actId="26606"/>
-          <ac:spMkLst>
-            <pc:docMk/>
-            <pc:sldMk cId="0" sldId="269"/>
-            <ac:spMk id="45" creationId="{0D7B6173-1D58-48E2-83CF-37350F315F75}"/>
-          </ac:spMkLst>
-        </pc:spChg>
-        <pc:spChg chg="add del">
-          <ac:chgData name="bruce larco" userId="7582802b1fe67b81" providerId="LiveId" clId="{96780D1D-266B-4D47-891B-A8DB4FF4300F}" dt="2025-11-22T17:59:29.579" v="28" actId="26606"/>
-          <ac:spMkLst>
-            <pc:docMk/>
-            <pc:sldMk cId="0" sldId="269"/>
-            <ac:spMk id="47" creationId="{BE149CDF-5DAC-4860-A285-9492CF2090AA}"/>
-          </ac:spMkLst>
-        </pc:spChg>
-        <pc:spChg chg="add del">
-          <ac:chgData name="bruce larco" userId="7582802b1fe67b81" providerId="LiveId" clId="{96780D1D-266B-4D47-891B-A8DB4FF4300F}" dt="2025-11-22T17:59:29.579" v="28" actId="26606"/>
-          <ac:spMkLst>
-            <pc:docMk/>
-            <pc:sldMk cId="0" sldId="269"/>
-            <ac:spMk id="51" creationId="{21BDEC81-16A7-4451-B893-C15000083B77}"/>
-          </ac:spMkLst>
-        </pc:spChg>
-        <pc:spChg chg="add del">
-          <ac:chgData name="bruce larco" userId="7582802b1fe67b81" providerId="LiveId" clId="{96780D1D-266B-4D47-891B-A8DB4FF4300F}" dt="2025-11-22T17:59:29.579" v="28" actId="26606"/>
-          <ac:spMkLst>
-            <pc:docMk/>
-            <pc:sldMk cId="0" sldId="269"/>
-            <ac:spMk id="53" creationId="{26A515A1-4D80-430E-BE0A-71A290516A82}"/>
-          </ac:spMkLst>
-        </pc:spChg>
         <pc:spChg chg="add">
           <ac:chgData name="bruce larco" userId="7582802b1fe67b81" providerId="LiveId" clId="{96780D1D-266B-4D47-891B-A8DB4FF4300F}" dt="2025-11-22T17:59:33.821" v="31" actId="26606"/>
           <ac:spMkLst>
@@ -362,14 +328,6 @@
             <ac:picMk id="4" creationId="{E5F3CA56-202B-ECDB-9299-1C4DB2A8350A}"/>
           </ac:picMkLst>
         </pc:picChg>
-        <pc:picChg chg="add del">
-          <ac:chgData name="bruce larco" userId="7582802b1fe67b81" providerId="LiveId" clId="{96780D1D-266B-4D47-891B-A8DB4FF4300F}" dt="2025-11-22T17:59:29.579" v="28" actId="26606"/>
-          <ac:picMkLst>
-            <pc:docMk/>
-            <pc:sldMk cId="0" sldId="269"/>
-            <ac:picMk id="49" creationId="{B0DAC8FB-A162-44E3-A606-C855A03A5B09}"/>
-          </ac:picMkLst>
-        </pc:picChg>
         <pc:picChg chg="add">
           <ac:chgData name="bruce larco" userId="7582802b1fe67b81" providerId="LiveId" clId="{96780D1D-266B-4D47-891B-A8DB4FF4300F}" dt="2025-11-22T17:59:33.821" v="31" actId="26606"/>
           <ac:picMkLst>
@@ -378,14 +336,6 @@
             <ac:picMk id="59" creationId="{B0DAC8FB-A162-44E3-A606-C855A03A5B09}"/>
           </ac:picMkLst>
         </pc:picChg>
-        <pc:cxnChg chg="add del">
-          <ac:chgData name="bruce larco" userId="7582802b1fe67b81" providerId="LiveId" clId="{96780D1D-266B-4D47-891B-A8DB4FF4300F}" dt="2025-11-22T17:59:33.775" v="30" actId="26606"/>
-          <ac:cxnSpMkLst>
-            <pc:docMk/>
-            <pc:sldMk cId="0" sldId="269"/>
-            <ac:cxnSpMk id="55" creationId="{FC23E3B9-5ABF-58B3-E2B0-E9A5DAA90037}"/>
-          </ac:cxnSpMkLst>
-        </pc:cxnChg>
       </pc:sldChg>
       <pc:sldChg chg="modSp mod">
         <pc:chgData name="bruce larco" userId="7582802b1fe67b81" providerId="LiveId" clId="{96780D1D-266B-4D47-891B-A8DB4FF4300F}" dt="2025-11-22T17:49:01.127" v="14" actId="1076"/>
@@ -6852,8 +6802,8 @@
         <a:lstStyle/>
         <a:p>
           <a:r>
-            <a:rPr lang="en-US"/>
-            <a:t>• Acceso desde web o app móvil.</a:t>
+            <a:rPr lang="en-US" dirty="0"/>
+            <a:t>• Acceso desde web o móvil.</a:t>
           </a:r>
         </a:p>
       </dgm:t>
@@ -8952,7 +8902,7 @@
 <dgm:dataModel xmlns:dgm="http://schemas.openxmlformats.org/drawingml/2006/diagram" xmlns:a="http://schemas.openxmlformats.org/drawingml/2006/main">
   <dgm:ptLst>
     <dgm:pt modelId="{BC51F701-D5FD-4DF1-B357-F0AD3860D988}" type="doc">
-      <dgm:prSet loTypeId="urn:microsoft.com/office/officeart/2005/8/layout/matrix3" loCatId="matrix" qsTypeId="urn:microsoft.com/office/officeart/2005/8/quickstyle/simple1" qsCatId="simple" csTypeId="urn:microsoft.com/office/officeart/2005/8/colors/colorful2" csCatId="colorful"/>
+      <dgm:prSet loTypeId="urn:microsoft.com/office/officeart/2005/8/layout/matrix3" loCatId="matrix" qsTypeId="urn:microsoft.com/office/officeart/2005/8/quickstyle/simple1" qsCatId="simple" csTypeId="urn:microsoft.com/office/officeart/2005/8/colors/colorful2" csCatId="colorful" phldr="1"/>
       <dgm:spPr/>
       <dgm:t>
         <a:bodyPr/>
@@ -8970,16 +8920,8 @@
         <a:lstStyle/>
         <a:p>
           <a:r>
-            <a:rPr lang="en-US"/>
-            <a:t>Se utilizará </a:t>
-          </a:r>
-          <a:r>
-            <a:rPr lang="es-CL"/>
-            <a:t>Fusión de Scrum y Cascada</a:t>
-          </a:r>
-          <a:r>
-            <a:rPr lang="en-US"/>
-            <a:t>:</a:t>
+            <a:rPr lang="en-US" dirty="0"/>
+            <a:t>Se utilizará Scrum adaptado:</a:t>
           </a:r>
         </a:p>
       </dgm:t>
@@ -10930,8 +10872,8 @@
             <a:buNone/>
           </a:pPr>
           <a:r>
-            <a:rPr lang="en-US" sz="1900" kern="1200"/>
-            <a:t>• Acceso desde web o app móvil.</a:t>
+            <a:rPr lang="en-US" sz="1900" kern="1200" dirty="0"/>
+            <a:t>• Acceso desde web o móvil.</a:t>
           </a:r>
         </a:p>
       </dsp:txBody>
@@ -13662,16 +13604,8 @@
             <a:buNone/>
           </a:pPr>
           <a:r>
-            <a:rPr lang="en-US" sz="1900" kern="1200"/>
-            <a:t>Se utilizará </a:t>
-          </a:r>
-          <a:r>
-            <a:rPr lang="es-CL" sz="1900" kern="1200"/>
-            <a:t>Fusión de Scrum y Cascada</a:t>
-          </a:r>
-          <a:r>
-            <a:rPr lang="en-US" sz="1900" kern="1200"/>
-            <a:t>:</a:t>
+            <a:rPr lang="en-US" sz="1900" kern="1200" dirty="0"/>
+            <a:t>Se utilizará Scrum adaptado:</a:t>
           </a:r>
         </a:p>
       </dsp:txBody>
@@ -24166,7 +24100,7 @@
           <a:p>
             <a:fld id="{5BCAD085-E8A6-8845-BD4E-CB4CCA059FC4}" type="datetimeFigureOut">
               <a:rPr lang="en-US" smtClean="0"/>
-              <a:t>11/22/2025</a:t>
+              <a:t>11/25/2025</a:t>
             </a:fld>
             <a:endParaRPr lang="en-US"/>
           </a:p>
@@ -24334,7 +24268,7 @@
           <a:p>
             <a:fld id="{5BCAD085-E8A6-8845-BD4E-CB4CCA059FC4}" type="datetimeFigureOut">
               <a:rPr lang="en-US" smtClean="0"/>
-              <a:t>11/22/2025</a:t>
+              <a:t>11/25/2025</a:t>
             </a:fld>
             <a:endParaRPr lang="en-US"/>
           </a:p>
@@ -24512,7 +24446,7 @@
           <a:p>
             <a:fld id="{5BCAD085-E8A6-8845-BD4E-CB4CCA059FC4}" type="datetimeFigureOut">
               <a:rPr lang="en-US" smtClean="0"/>
-              <a:t>11/22/2025</a:t>
+              <a:t>11/25/2025</a:t>
             </a:fld>
             <a:endParaRPr lang="en-US"/>
           </a:p>
@@ -24680,7 +24614,7 @@
           <a:p>
             <a:fld id="{5BCAD085-E8A6-8845-BD4E-CB4CCA059FC4}" type="datetimeFigureOut">
               <a:rPr lang="en-US" smtClean="0"/>
-              <a:t>11/22/2025</a:t>
+              <a:t>11/25/2025</a:t>
             </a:fld>
             <a:endParaRPr lang="en-US"/>
           </a:p>
@@ -24925,7 +24859,7 @@
           <a:p>
             <a:fld id="{5BCAD085-E8A6-8845-BD4E-CB4CCA059FC4}" type="datetimeFigureOut">
               <a:rPr lang="en-US" smtClean="0"/>
-              <a:t>11/22/2025</a:t>
+              <a:t>11/25/2025</a:t>
             </a:fld>
             <a:endParaRPr lang="en-US"/>
           </a:p>
@@ -25210,7 +25144,7 @@
           <a:p>
             <a:fld id="{5BCAD085-E8A6-8845-BD4E-CB4CCA059FC4}" type="datetimeFigureOut">
               <a:rPr lang="en-US" smtClean="0"/>
-              <a:t>11/22/2025</a:t>
+              <a:t>11/25/2025</a:t>
             </a:fld>
             <a:endParaRPr lang="en-US"/>
           </a:p>
@@ -25629,7 +25563,7 @@
           <a:p>
             <a:fld id="{5BCAD085-E8A6-8845-BD4E-CB4CCA059FC4}" type="datetimeFigureOut">
               <a:rPr lang="en-US" smtClean="0"/>
-              <a:t>11/22/2025</a:t>
+              <a:t>11/25/2025</a:t>
             </a:fld>
             <a:endParaRPr lang="en-US"/>
           </a:p>
@@ -25746,7 +25680,7 @@
           <a:p>
             <a:fld id="{5BCAD085-E8A6-8845-BD4E-CB4CCA059FC4}" type="datetimeFigureOut">
               <a:rPr lang="en-US" smtClean="0"/>
-              <a:t>11/22/2025</a:t>
+              <a:t>11/25/2025</a:t>
             </a:fld>
             <a:endParaRPr lang="en-US"/>
           </a:p>
@@ -25841,7 +25775,7 @@
           <a:p>
             <a:fld id="{5BCAD085-E8A6-8845-BD4E-CB4CCA059FC4}" type="datetimeFigureOut">
               <a:rPr lang="en-US" smtClean="0"/>
-              <a:t>11/22/2025</a:t>
+              <a:t>11/25/2025</a:t>
             </a:fld>
             <a:endParaRPr lang="en-US"/>
           </a:p>
@@ -26116,7 +26050,7 @@
           <a:p>
             <a:fld id="{5BCAD085-E8A6-8845-BD4E-CB4CCA059FC4}" type="datetimeFigureOut">
               <a:rPr lang="en-US" smtClean="0"/>
-              <a:t>11/22/2025</a:t>
+              <a:t>11/25/2025</a:t>
             </a:fld>
             <a:endParaRPr lang="en-US"/>
           </a:p>
@@ -26368,7 +26302,7 @@
           <a:p>
             <a:fld id="{5BCAD085-E8A6-8845-BD4E-CB4CCA059FC4}" type="datetimeFigureOut">
               <a:rPr lang="en-US" smtClean="0"/>
-              <a:t>11/22/2025</a:t>
+              <a:t>11/25/2025</a:t>
             </a:fld>
             <a:endParaRPr lang="en-US"/>
           </a:p>
@@ -26579,7 +26513,7 @@
           <a:p>
             <a:fld id="{5BCAD085-E8A6-8845-BD4E-CB4CCA059FC4}" type="datetimeFigureOut">
               <a:rPr lang="en-US" smtClean="0"/>
-              <a:t>11/22/2025</a:t>
+              <a:t>11/25/2025</a:t>
             </a:fld>
             <a:endParaRPr lang="en-US"/>
           </a:p>
@@ -27612,7 +27546,7 @@
           <a:p>
             <a:r>
               <a:rPr lang="es-MX" sz="2000" dirty="0"/>
-              <a:t>BarrioLink busca desarrollar una solución tecnológica integral que permita mejorar la gestión, comunicación y participación dentro de una Junta de Vecinos, fortaleciendo la organización territorial mediante herramientas digitales accesibles y eficientes.</a:t>
+              <a:t>BarrioLink es una solución tecnológica integral que permite mejorar la gestión, comunicación y participación dentro de una Junta de Vecinos, fortaleciendo la organización territorial mediante una plataforma digital accesible y eficiente.</a:t>
             </a:r>
           </a:p>
         </p:txBody>
@@ -29295,7 +29229,7 @@
         </p:nvSpPr>
         <p:spPr>
           <a:xfrm>
-            <a:off x="840699" y="687480"/>
+            <a:off x="408079" y="101904"/>
             <a:ext cx="5605629" cy="994172"/>
           </a:xfrm>
         </p:spPr>
@@ -29311,7 +29245,7 @@
               </a:lnSpc>
             </a:pPr>
             <a:r>
-              <a:rPr lang="en-US" sz="3850" kern="1200">
+              <a:rPr lang="en-US" sz="3850" kern="1200" dirty="0">
                 <a:solidFill>
                   <a:schemeClr val="tx1"/>
                 </a:solidFill>
@@ -29338,8 +29272,8 @@
         </p:nvSpPr>
         <p:spPr>
           <a:xfrm>
-            <a:off x="852321" y="2227943"/>
-            <a:ext cx="5033221" cy="3788227"/>
+            <a:off x="852321" y="1484671"/>
+            <a:ext cx="5033221" cy="4531499"/>
           </a:xfrm>
           <a:prstGeom prst="rect">
             <a:avLst/>
@@ -29405,6 +29339,17 @@
             </a:r>
           </a:p>
           <a:p>
+            <a:pPr lvl="0" defTabSz="914400">
+              <a:lnSpc>
+                <a:spcPct val="90000"/>
+              </a:lnSpc>
+              <a:spcAft>
+                <a:spcPts val="600"/>
+              </a:spcAft>
+            </a:pPr>
+            <a:endParaRPr lang="en-US" dirty="0"/>
+          </a:p>
+          <a:p>
             <a:pPr lvl="0" indent="-228600" defTabSz="914400">
               <a:lnSpc>
                 <a:spcPct val="90000"/>
@@ -29456,6 +29401,17 @@
               <a:rPr lang="en-US" dirty="0"/>
               <a:t>Realizan el diseño, programación, pruebas, integración y documentación del sistema.</a:t>
             </a:r>
+          </a:p>
+          <a:p>
+            <a:pPr lvl="0" defTabSz="914400">
+              <a:lnSpc>
+                <a:spcPct val="90000"/>
+              </a:lnSpc>
+              <a:spcAft>
+                <a:spcPts val="600"/>
+              </a:spcAft>
+            </a:pPr>
+            <a:endParaRPr lang="en-US" dirty="0"/>
           </a:p>
           <a:p>
             <a:pPr lvl="0" indent="-228600" defTabSz="914400">
@@ -30766,7 +30722,7 @@
           <a:lstStyle/>
           <a:p>
             <a:r>
-              <a:rPr lang="es-CL" sz="3100"/>
+              <a:rPr lang="es-CL" sz="3100" dirty="0"/>
               <a:t>Contexto</a:t>
             </a:r>
           </a:p>
@@ -30856,7 +30812,7 @@
           <a:p>
             <a:r>
               <a:rPr lang="es-MX" sz="2000" dirty="0"/>
-              <a:t>Las juntas de vecinos en Chile suelen carecer de herramientas tecnológicas modernas para gestionar sus operaciones. Esto provoca desorganización, demoras en trámites y una comunicación poco efectiva con la comunidad. El proyecto APT surge desde el ámbito académico y social para responder a esta brecha tecnológica.</a:t>
+              <a:t>Las juntas de vecinos en Chile suelen carecer de herramientas tecnológicas modernas para gestionar sus operaciones. Esto provoca desorganización, demoras en trámites y una comunicación poco efectiva con la comunidad. El proyecto surge desde el ámbito académico y social para responder a esta brecha tecnológica.</a:t>
             </a:r>
           </a:p>
         </p:txBody>
@@ -31491,7 +31447,7 @@
             <p:ph idx="1"/>
             <p:extLst>
               <p:ext uri="{D42A27DB-BD31-4B8C-83A1-F6EECF244321}">
-                <p14:modId xmlns:p14="http://schemas.microsoft.com/office/powerpoint/2010/main" val="154978461"/>
+                <p14:modId xmlns:p14="http://schemas.microsoft.com/office/powerpoint/2010/main" val="3010364180"/>
               </p:ext>
             </p:extLst>
           </p:nvPr>
@@ -32993,7 +32949,7 @@
             <p:ph idx="1"/>
             <p:extLst>
               <p:ext uri="{D42A27DB-BD31-4B8C-83A1-F6EECF244321}">
-                <p14:modId xmlns:p14="http://schemas.microsoft.com/office/powerpoint/2010/main" val="3162718455"/>
+                <p14:modId xmlns:p14="http://schemas.microsoft.com/office/powerpoint/2010/main" val="366752896"/>
               </p:ext>
             </p:extLst>
           </p:nvPr>
@@ -34106,7 +34062,7 @@
             <p:ph idx="1"/>
             <p:extLst>
               <p:ext uri="{D42A27DB-BD31-4B8C-83A1-F6EECF244321}">
-                <p14:modId xmlns:p14="http://schemas.microsoft.com/office/powerpoint/2010/main" val="961455301"/>
+                <p14:modId xmlns:p14="http://schemas.microsoft.com/office/powerpoint/2010/main" val="2457423934"/>
               </p:ext>
             </p:extLst>
           </p:nvPr>
